--- a/buttons.pptx
+++ b/buttons.pptx
@@ -3363,7 +3363,7 @@
             <a:avLst/>
           </a:prstGeom>
           <a:noFill/>
-          <a:ln w="95250">
+          <a:ln w="50800">
             <a:solidFill>
               <a:schemeClr val="tx1"/>
             </a:solidFill>
@@ -3414,7 +3414,7 @@
         </p:nvCxnSpPr>
         <p:spPr>
           <a:xfrm>
-            <a:off x="3528060" y="3230880"/>
+            <a:off x="3505200" y="3232052"/>
             <a:ext cx="335280" cy="0"/>
           </a:xfrm>
           <a:prstGeom prst="line">
@@ -3462,7 +3462,7 @@
             <a:avLst/>
           </a:prstGeom>
           <a:noFill/>
-          <a:ln w="95250">
+          <a:ln w="50800">
             <a:solidFill>
               <a:schemeClr val="tx1"/>
             </a:solidFill>
@@ -3513,7 +3513,7 @@
         </p:nvCxnSpPr>
         <p:spPr>
           <a:xfrm>
-            <a:off x="4709160" y="3232052"/>
+            <a:off x="4686300" y="3232052"/>
             <a:ext cx="335280" cy="0"/>
           </a:xfrm>
           <a:prstGeom prst="line">
@@ -3556,7 +3556,7 @@
         </p:nvCxnSpPr>
         <p:spPr>
           <a:xfrm flipV="1">
-            <a:off x="4869180" y="3077894"/>
+            <a:off x="4853940" y="3077894"/>
             <a:ext cx="0" cy="305972"/>
           </a:xfrm>
           <a:prstGeom prst="line">
